--- a/MyLearnings/Cloud Computing with Azure/Terraform Packer and Golden Image/PPT for Class/Class1- Terraform lab setup.pptx
+++ b/MyLearnings/Cloud Computing with Azure/Terraform Packer and Golden Image/PPT for Class/Class1- Terraform lab setup.pptx
@@ -8916,7 +8916,7 @@
           <a:p>
             <a:fld id="{49BD8F56-9E3F-4778-98EC-66536B5AFF68}" type="datetimeFigureOut">
               <a:rPr lang="en-IN" smtClean="0"/>
-              <a:t>15-06-2024</a:t>
+              <a:t>25-06-2024</a:t>
             </a:fld>
             <a:endParaRPr lang="en-IN"/>
           </a:p>
@@ -9123,7 +9123,7 @@
           <a:p>
             <a:fld id="{49BD8F56-9E3F-4778-98EC-66536B5AFF68}" type="datetimeFigureOut">
               <a:rPr lang="en-IN" smtClean="0"/>
-              <a:t>15-06-2024</a:t>
+              <a:t>25-06-2024</a:t>
             </a:fld>
             <a:endParaRPr lang="en-IN"/>
           </a:p>
@@ -9303,7 +9303,7 @@
           <a:p>
             <a:fld id="{49BD8F56-9E3F-4778-98EC-66536B5AFF68}" type="datetimeFigureOut">
               <a:rPr lang="en-IN" smtClean="0"/>
-              <a:t>15-06-2024</a:t>
+              <a:t>25-06-2024</a:t>
             </a:fld>
             <a:endParaRPr lang="en-IN"/>
           </a:p>
@@ -9508,7 +9508,7 @@
           <a:p>
             <a:fld id="{49BD8F56-9E3F-4778-98EC-66536B5AFF68}" type="datetimeFigureOut">
               <a:rPr lang="en-IN" smtClean="0"/>
-              <a:t>15-06-2024</a:t>
+              <a:t>25-06-2024</a:t>
             </a:fld>
             <a:endParaRPr lang="en-IN"/>
           </a:p>
@@ -18406,7 +18406,7 @@
           <a:p>
             <a:fld id="{49BD8F56-9E3F-4778-98EC-66536B5AFF68}" type="datetimeFigureOut">
               <a:rPr lang="en-IN" smtClean="0"/>
-              <a:t>15-06-2024</a:t>
+              <a:t>25-06-2024</a:t>
             </a:fld>
             <a:endParaRPr lang="en-IN"/>
           </a:p>
@@ -18680,7 +18680,7 @@
           <a:p>
             <a:fld id="{49BD8F56-9E3F-4778-98EC-66536B5AFF68}" type="datetimeFigureOut">
               <a:rPr lang="en-IN" smtClean="0"/>
-              <a:t>15-06-2024</a:t>
+              <a:t>25-06-2024</a:t>
             </a:fld>
             <a:endParaRPr lang="en-IN"/>
           </a:p>
@@ -19078,7 +19078,7 @@
           <a:p>
             <a:fld id="{49BD8F56-9E3F-4778-98EC-66536B5AFF68}" type="datetimeFigureOut">
               <a:rPr lang="en-IN" smtClean="0"/>
-              <a:t>15-06-2024</a:t>
+              <a:t>25-06-2024</a:t>
             </a:fld>
             <a:endParaRPr lang="en-IN"/>
           </a:p>
@@ -19196,7 +19196,7 @@
           <a:p>
             <a:fld id="{49BD8F56-9E3F-4778-98EC-66536B5AFF68}" type="datetimeFigureOut">
               <a:rPr lang="en-IN" smtClean="0"/>
-              <a:t>15-06-2024</a:t>
+              <a:t>25-06-2024</a:t>
             </a:fld>
             <a:endParaRPr lang="en-IN"/>
           </a:p>
@@ -19291,7 +19291,7 @@
           <a:p>
             <a:fld id="{49BD8F56-9E3F-4778-98EC-66536B5AFF68}" type="datetimeFigureOut">
               <a:rPr lang="en-IN" smtClean="0"/>
-              <a:t>15-06-2024</a:t>
+              <a:t>25-06-2024</a:t>
             </a:fld>
             <a:endParaRPr lang="en-IN"/>
           </a:p>
@@ -19581,7 +19581,7 @@
           <a:p>
             <a:fld id="{49BD8F56-9E3F-4778-98EC-66536B5AFF68}" type="datetimeFigureOut">
               <a:rPr lang="en-IN" smtClean="0"/>
-              <a:t>15-06-2024</a:t>
+              <a:t>25-06-2024</a:t>
             </a:fld>
             <a:endParaRPr lang="en-IN"/>
           </a:p>
@@ -19861,7 +19861,7 @@
           <a:p>
             <a:fld id="{49BD8F56-9E3F-4778-98EC-66536B5AFF68}" type="datetimeFigureOut">
               <a:rPr lang="en-IN" smtClean="0"/>
-              <a:t>15-06-2024</a:t>
+              <a:t>25-06-2024</a:t>
             </a:fld>
             <a:endParaRPr lang="en-IN"/>
           </a:p>
@@ -20111,7 +20111,7 @@
           <a:p>
             <a:fld id="{49BD8F56-9E3F-4778-98EC-66536B5AFF68}" type="datetimeFigureOut">
               <a:rPr lang="en-IN" smtClean="0"/>
-              <a:t>15-06-2024</a:t>
+              <a:t>25-06-2024</a:t>
             </a:fld>
             <a:endParaRPr lang="en-IN"/>
           </a:p>
@@ -20640,7 +20640,23 @@
                   <a:srgbClr val="FF0000"/>
                 </a:solidFill>
               </a:rPr>
-              <a:t>Step1: Lab setup &gt; https://killerkode.com</a:t>
+              <a:t>Step1: Lab setup &gt; https</a:t>
+            </a:r>
+            <a:r>
+              <a:rPr lang="en-IN">
+                <a:solidFill>
+                  <a:srgbClr val="FF0000"/>
+                </a:solidFill>
+              </a:rPr>
+              <a:t>://killerkoda.</a:t>
+            </a:r>
+            <a:r>
+              <a:rPr lang="en-IN" dirty="0">
+                <a:solidFill>
+                  <a:srgbClr val="FF0000"/>
+                </a:solidFill>
+              </a:rPr>
+              <a:t>com</a:t>
             </a:r>
           </a:p>
         </p:txBody>
